--- a/Presentasion/ExperienceSummary.pptx
+++ b/Presentasion/ExperienceSummary.pptx
@@ -5,10 +5,10 @@
     <p:sldMasterId id="2147483678" r:id="rId3"/>
   </p:sldMasterIdLst>
   <p:notesMasterIdLst>
-    <p:notesMasterId r:id="rId26"/>
+    <p:notesMasterId r:id="rId27"/>
   </p:notesMasterIdLst>
   <p:handoutMasterIdLst>
-    <p:handoutMasterId r:id="rId27"/>
+    <p:handoutMasterId r:id="rId28"/>
   </p:handoutMasterIdLst>
   <p:sldIdLst>
     <p:sldId id="321" r:id="rId4"/>
@@ -21,23 +21,24 @@
     <p:sldId id="2145705952" r:id="rId11"/>
     <p:sldId id="2145705953" r:id="rId12"/>
     <p:sldId id="2145705954" r:id="rId13"/>
-    <p:sldId id="2145705955" r:id="rId14"/>
-    <p:sldId id="2145705967" r:id="rId15"/>
-    <p:sldId id="2145705956" r:id="rId16"/>
-    <p:sldId id="2145705957" r:id="rId17"/>
-    <p:sldId id="2145705958" r:id="rId18"/>
-    <p:sldId id="2145705959" r:id="rId19"/>
-    <p:sldId id="2145705960" r:id="rId20"/>
-    <p:sldId id="2145705961" r:id="rId21"/>
-    <p:sldId id="2145705962" r:id="rId22"/>
-    <p:sldId id="2145705963" r:id="rId23"/>
-    <p:sldId id="2145705964" r:id="rId24"/>
-    <p:sldId id="2145705965" r:id="rId25"/>
+    <p:sldId id="2145705968" r:id="rId14"/>
+    <p:sldId id="2145705955" r:id="rId15"/>
+    <p:sldId id="2145705967" r:id="rId16"/>
+    <p:sldId id="2145705956" r:id="rId17"/>
+    <p:sldId id="2145705957" r:id="rId18"/>
+    <p:sldId id="2145705958" r:id="rId19"/>
+    <p:sldId id="2145705959" r:id="rId20"/>
+    <p:sldId id="2145705960" r:id="rId21"/>
+    <p:sldId id="2145705961" r:id="rId22"/>
+    <p:sldId id="2145705962" r:id="rId23"/>
+    <p:sldId id="2145705963" r:id="rId24"/>
+    <p:sldId id="2145705964" r:id="rId25"/>
+    <p:sldId id="2145705965" r:id="rId26"/>
   </p:sldIdLst>
   <p:sldSz cx="12192000" cy="6858000"/>
   <p:notesSz cx="6858000" cy="9144000"/>
   <p:custDataLst>
-    <p:tags r:id="rId28"/>
+    <p:tags r:id="rId29"/>
   </p:custDataLst>
   <p:defaultTextStyle>
     <a:defPPr>
@@ -152,6 +153,7 @@
             <p14:sldId id="2145705952"/>
             <p14:sldId id="2145705953"/>
             <p14:sldId id="2145705954"/>
+            <p14:sldId id="2145705968"/>
             <p14:sldId id="2145705955"/>
             <p14:sldId id="2145705967"/>
             <p14:sldId id="2145705956"/>
@@ -272,7 +274,7 @@
           <a:p>
             <a:fld id="{CEF5959A-AE8E-4098-8E47-081D9FE6ACD1}" type="datetimeFigureOut">
               <a:rPr lang="en-GB" smtClean="0"/>
-              <a:t>24/08/2025</a:t>
+              <a:t>25/08/2025</a:t>
             </a:fld>
             <a:endParaRPr lang="en-GB"/>
           </a:p>
@@ -466,7 +468,7 @@
             <a:fld id="{82F50848-CCE2-4F33-8910-F863336B6EB2}" type="datetimeFigureOut">
               <a:rPr lang="de-CH" smtClean="0"/>
               <a:pPr/>
-              <a:t>24.08.2025</a:t>
+              <a:t>25.08.2025</a:t>
             </a:fld>
             <a:endParaRPr lang="de-CH"/>
           </a:p>
@@ -820,6 +822,501 @@
 </p:notes>
 </file>
 
+<file path=ppt/notesSlides/notesSlide10.xml><?xml version="1.0" encoding="utf-8"?>
+<p:notes xmlns:a="http://schemas.openxmlformats.org/drawingml/2006/main" xmlns:r="http://schemas.openxmlformats.org/officeDocument/2006/relationships" xmlns:p="http://schemas.openxmlformats.org/presentationml/2006/main">
+  <p:cSld>
+    <p:spTree>
+      <p:nvGrpSpPr>
+        <p:cNvPr id="1" name=""/>
+        <p:cNvGrpSpPr/>
+        <p:nvPr/>
+      </p:nvGrpSpPr>
+      <p:grpSpPr>
+        <a:xfrm>
+          <a:off x="0" y="0"/>
+          <a:ext cx="0" cy="0"/>
+          <a:chOff x="0" y="0"/>
+          <a:chExt cx="0" cy="0"/>
+        </a:xfrm>
+      </p:grpSpPr>
+      <p:sp>
+        <p:nvSpPr>
+          <p:cNvPr id="2" name="Slide Image Placeholder 1"/>
+          <p:cNvSpPr>
+            <a:spLocks noGrp="1" noRot="1" noChangeAspect="1"/>
+          </p:cNvSpPr>
+          <p:nvPr>
+            <p:ph type="sldImg"/>
+          </p:nvPr>
+        </p:nvSpPr>
+        <p:spPr/>
+      </p:sp>
+      <p:sp>
+        <p:nvSpPr>
+          <p:cNvPr id="3" name="Notes Placeholder 2"/>
+          <p:cNvSpPr>
+            <a:spLocks noGrp="1"/>
+          </p:cNvSpPr>
+          <p:nvPr>
+            <p:ph type="body" idx="1"/>
+          </p:nvPr>
+        </p:nvSpPr>
+        <p:spPr/>
+        <p:txBody>
+          <a:bodyPr/>
+          <a:lstStyle/>
+          <a:p>
+            <a:r>
+              <a:rPr lang="vi-VN"/>
+              <a:t>Học </a:t>
+            </a:r>
+            <a:r>
+              <a:rPr lang="vi-VN" b="1"/>
+              <a:t>Dapper &amp; Entity Framework</a:t>
+            </a:r>
+            <a:r>
+              <a:rPr lang="vi-VN"/>
+              <a:t> để thao tác với database.</a:t>
+            </a:r>
+          </a:p>
+          <a:p>
+            <a:r>
+              <a:rPr lang="vi-VN"/>
+              <a:t>Tìm hiểu </a:t>
+            </a:r>
+            <a:r>
+              <a:rPr lang="vi-VN" b="1"/>
+              <a:t>MVC architecture</a:t>
+            </a:r>
+            <a:r>
+              <a:rPr lang="vi-VN"/>
+              <a:t> giúp tổ chức ứng dụng rõ ràng hơn.</a:t>
+            </a:r>
+          </a:p>
+          <a:p>
+            <a:r>
+              <a:rPr lang="vi-VN"/>
+              <a:t>Nắm khái niệm </a:t>
+            </a:r>
+            <a:r>
+              <a:rPr lang="vi-VN" b="1"/>
+              <a:t>Slowly Changing Dimensions (SCD 1,2,3)</a:t>
+            </a:r>
+            <a:r>
+              <a:rPr lang="vi-VN"/>
+              <a:t> cho quản lý phiên bản dữ liệu.</a:t>
+            </a:r>
+          </a:p>
+          <a:p>
+            <a:r>
+              <a:rPr lang="vi-VN"/>
+              <a:t>Áp dụng </a:t>
+            </a:r>
+            <a:r>
+              <a:rPr lang="vi-VN" b="1"/>
+              <a:t>Clean Code principles</a:t>
+            </a:r>
+            <a:r>
+              <a:rPr lang="vi-VN"/>
+              <a:t>: SOLID, thiết kế class, HATEOAS → viết code dễ bảo trì, dễ mở rộng.</a:t>
+            </a:r>
+          </a:p>
+          <a:p>
+            <a:endParaRPr lang="en-US"/>
+          </a:p>
+          <a:p>
+            <a:r>
+              <a:rPr lang="vi-VN" b="1"/>
+              <a:t>Slowly Changing Dimensions (SCD)</a:t>
+            </a:r>
+            <a:r>
+              <a:rPr lang="vi-VN"/>
+              <a:t> là cách quản lý và lưu trữ </a:t>
+            </a:r>
+            <a:r>
+              <a:rPr lang="vi-VN" b="1"/>
+              <a:t>dữ liệu thay đổi theo thời gian</a:t>
+            </a:r>
+            <a:r>
+              <a:rPr lang="vi-VN"/>
+              <a:t> trong </a:t>
+            </a:r>
+            <a:r>
+              <a:rPr lang="vi-VN" b="1"/>
+              <a:t>Data Warehouse</a:t>
+            </a:r>
+            <a:r>
+              <a:rPr lang="vi-VN"/>
+              <a:t> (kho dữ liệu). </a:t>
+            </a:r>
+            <a:endParaRPr lang="en-US"/>
+          </a:p>
+        </p:txBody>
+      </p:sp>
+      <p:sp>
+        <p:nvSpPr>
+          <p:cNvPr id="4" name="Slide Number Placeholder 3"/>
+          <p:cNvSpPr>
+            <a:spLocks noGrp="1"/>
+          </p:cNvSpPr>
+          <p:nvPr>
+            <p:ph type="sldNum" sz="quarter" idx="5"/>
+          </p:nvPr>
+        </p:nvSpPr>
+        <p:spPr/>
+        <p:txBody>
+          <a:bodyPr/>
+          <a:lstStyle/>
+          <a:p>
+            <a:fld id="{6A4FF178-7F5C-4C53-AC97-DF4205D97146}" type="slidenum">
+              <a:rPr lang="de-CH" smtClean="0"/>
+              <a:pPr/>
+              <a:t>12</a:t>
+            </a:fld>
+            <a:endParaRPr lang="de-CH"/>
+          </a:p>
+        </p:txBody>
+      </p:sp>
+    </p:spTree>
+    <p:extLst>
+      <p:ext uri="{BB962C8B-B14F-4D97-AF65-F5344CB8AC3E}">
+        <p14:creationId xmlns:p14="http://schemas.microsoft.com/office/powerpoint/2010/main" val="2377111578"/>
+      </p:ext>
+    </p:extLst>
+  </p:cSld>
+  <p:clrMapOvr>
+    <a:masterClrMapping/>
+  </p:clrMapOvr>
+</p:notes>
+</file>
+
+<file path=ppt/notesSlides/notesSlide11.xml><?xml version="1.0" encoding="utf-8"?>
+<p:notes xmlns:a="http://schemas.openxmlformats.org/drawingml/2006/main" xmlns:r="http://schemas.openxmlformats.org/officeDocument/2006/relationships" xmlns:p="http://schemas.openxmlformats.org/presentationml/2006/main">
+  <p:cSld>
+    <p:spTree>
+      <p:nvGrpSpPr>
+        <p:cNvPr id="1" name="">
+          <a:extLst>
+            <a:ext uri="{FF2B5EF4-FFF2-40B4-BE49-F238E27FC236}">
+              <a16:creationId xmlns:a16="http://schemas.microsoft.com/office/drawing/2014/main" id="{1335737C-17AB-E546-3D61-88159F4878EA}"/>
+            </a:ext>
+          </a:extLst>
+        </p:cNvPr>
+        <p:cNvGrpSpPr/>
+        <p:nvPr/>
+      </p:nvGrpSpPr>
+      <p:grpSpPr>
+        <a:xfrm>
+          <a:off x="0" y="0"/>
+          <a:ext cx="0" cy="0"/>
+          <a:chOff x="0" y="0"/>
+          <a:chExt cx="0" cy="0"/>
+        </a:xfrm>
+      </p:grpSpPr>
+      <p:sp>
+        <p:nvSpPr>
+          <p:cNvPr id="2" name="Slide Image Placeholder 1">
+            <a:extLst>
+              <a:ext uri="{FF2B5EF4-FFF2-40B4-BE49-F238E27FC236}">
+                <a16:creationId xmlns:a16="http://schemas.microsoft.com/office/drawing/2014/main" id="{2AEA9406-12EC-CE3E-8840-EA69911B32E5}"/>
+              </a:ext>
+            </a:extLst>
+          </p:cNvPr>
+          <p:cNvSpPr>
+            <a:spLocks noGrp="1" noRot="1" noChangeAspect="1"/>
+          </p:cNvSpPr>
+          <p:nvPr>
+            <p:ph type="sldImg"/>
+          </p:nvPr>
+        </p:nvSpPr>
+        <p:spPr/>
+      </p:sp>
+      <p:sp>
+        <p:nvSpPr>
+          <p:cNvPr id="3" name="Notes Placeholder 2">
+            <a:extLst>
+              <a:ext uri="{FF2B5EF4-FFF2-40B4-BE49-F238E27FC236}">
+                <a16:creationId xmlns:a16="http://schemas.microsoft.com/office/drawing/2014/main" id="{B8897A2B-5488-4D1E-E07A-E483CDCF7363}"/>
+              </a:ext>
+            </a:extLst>
+          </p:cNvPr>
+          <p:cNvSpPr>
+            <a:spLocks noGrp="1"/>
+          </p:cNvSpPr>
+          <p:nvPr>
+            <p:ph type="body" idx="1"/>
+          </p:nvPr>
+        </p:nvSpPr>
+        <p:spPr/>
+        <p:txBody>
+          <a:bodyPr/>
+          <a:lstStyle/>
+          <a:p>
+            <a:endParaRPr lang="en-GB" noProof="0"/>
+          </a:p>
+        </p:txBody>
+      </p:sp>
+      <p:sp>
+        <p:nvSpPr>
+          <p:cNvPr id="4" name="Slide Number Placeholder 3">
+            <a:extLst>
+              <a:ext uri="{FF2B5EF4-FFF2-40B4-BE49-F238E27FC236}">
+                <a16:creationId xmlns:a16="http://schemas.microsoft.com/office/drawing/2014/main" id="{C54229F1-4BD1-631C-55F9-659038A123BE}"/>
+              </a:ext>
+            </a:extLst>
+          </p:cNvPr>
+          <p:cNvSpPr>
+            <a:spLocks noGrp="1"/>
+          </p:cNvSpPr>
+          <p:nvPr>
+            <p:ph type="sldNum" sz="quarter" idx="5"/>
+          </p:nvPr>
+        </p:nvSpPr>
+        <p:spPr/>
+        <p:txBody>
+          <a:bodyPr/>
+          <a:lstStyle/>
+          <a:p>
+            <a:fld id="{6A4FF178-7F5C-4C53-AC97-DF4205D97146}" type="slidenum">
+              <a:rPr lang="de-CH" smtClean="0"/>
+              <a:pPr/>
+              <a:t>16</a:t>
+            </a:fld>
+            <a:endParaRPr lang="de-CH"/>
+          </a:p>
+        </p:txBody>
+      </p:sp>
+    </p:spTree>
+    <p:extLst>
+      <p:ext uri="{BB962C8B-B14F-4D97-AF65-F5344CB8AC3E}">
+        <p14:creationId xmlns:p14="http://schemas.microsoft.com/office/powerpoint/2010/main" val="4073684889"/>
+      </p:ext>
+    </p:extLst>
+  </p:cSld>
+  <p:clrMapOvr>
+    <a:masterClrMapping/>
+  </p:clrMapOvr>
+</p:notes>
+</file>
+
+<file path=ppt/notesSlides/notesSlide12.xml><?xml version="1.0" encoding="utf-8"?>
+<p:notes xmlns:a="http://schemas.openxmlformats.org/drawingml/2006/main" xmlns:r="http://schemas.openxmlformats.org/officeDocument/2006/relationships" xmlns:p="http://schemas.openxmlformats.org/presentationml/2006/main">
+  <p:cSld>
+    <p:spTree>
+      <p:nvGrpSpPr>
+        <p:cNvPr id="1" name="">
+          <a:extLst>
+            <a:ext uri="{FF2B5EF4-FFF2-40B4-BE49-F238E27FC236}">
+              <a16:creationId xmlns:a16="http://schemas.microsoft.com/office/drawing/2014/main" id="{599CD1E5-9C38-AF82-41AD-4B3CD8D05554}"/>
+            </a:ext>
+          </a:extLst>
+        </p:cNvPr>
+        <p:cNvGrpSpPr/>
+        <p:nvPr/>
+      </p:nvGrpSpPr>
+      <p:grpSpPr>
+        <a:xfrm>
+          <a:off x="0" y="0"/>
+          <a:ext cx="0" cy="0"/>
+          <a:chOff x="0" y="0"/>
+          <a:chExt cx="0" cy="0"/>
+        </a:xfrm>
+      </p:grpSpPr>
+      <p:sp>
+        <p:nvSpPr>
+          <p:cNvPr id="2" name="Slide Image Placeholder 1">
+            <a:extLst>
+              <a:ext uri="{FF2B5EF4-FFF2-40B4-BE49-F238E27FC236}">
+                <a16:creationId xmlns:a16="http://schemas.microsoft.com/office/drawing/2014/main" id="{E5DBCFBD-0221-36C0-390D-662FCBD54FDD}"/>
+              </a:ext>
+            </a:extLst>
+          </p:cNvPr>
+          <p:cNvSpPr>
+            <a:spLocks noGrp="1" noRot="1" noChangeAspect="1"/>
+          </p:cNvSpPr>
+          <p:nvPr>
+            <p:ph type="sldImg"/>
+          </p:nvPr>
+        </p:nvSpPr>
+        <p:spPr/>
+      </p:sp>
+      <p:sp>
+        <p:nvSpPr>
+          <p:cNvPr id="3" name="Notes Placeholder 2">
+            <a:extLst>
+              <a:ext uri="{FF2B5EF4-FFF2-40B4-BE49-F238E27FC236}">
+                <a16:creationId xmlns:a16="http://schemas.microsoft.com/office/drawing/2014/main" id="{8B3E3768-78A2-4E34-10BA-D5683A83E2FA}"/>
+              </a:ext>
+            </a:extLst>
+          </p:cNvPr>
+          <p:cNvSpPr>
+            <a:spLocks noGrp="1"/>
+          </p:cNvSpPr>
+          <p:nvPr>
+            <p:ph type="body" idx="1"/>
+          </p:nvPr>
+        </p:nvSpPr>
+        <p:spPr/>
+        <p:txBody>
+          <a:bodyPr/>
+          <a:lstStyle/>
+          <a:p>
+            <a:endParaRPr lang="en-GB" noProof="0"/>
+          </a:p>
+        </p:txBody>
+      </p:sp>
+      <p:sp>
+        <p:nvSpPr>
+          <p:cNvPr id="4" name="Slide Number Placeholder 3">
+            <a:extLst>
+              <a:ext uri="{FF2B5EF4-FFF2-40B4-BE49-F238E27FC236}">
+                <a16:creationId xmlns:a16="http://schemas.microsoft.com/office/drawing/2014/main" id="{51062B83-59B2-2248-ABDA-16E2745436F5}"/>
+              </a:ext>
+            </a:extLst>
+          </p:cNvPr>
+          <p:cNvSpPr>
+            <a:spLocks noGrp="1"/>
+          </p:cNvSpPr>
+          <p:nvPr>
+            <p:ph type="sldNum" sz="quarter" idx="5"/>
+          </p:nvPr>
+        </p:nvSpPr>
+        <p:spPr/>
+        <p:txBody>
+          <a:bodyPr/>
+          <a:lstStyle/>
+          <a:p>
+            <a:fld id="{6A4FF178-7F5C-4C53-AC97-DF4205D97146}" type="slidenum">
+              <a:rPr lang="de-CH" smtClean="0"/>
+              <a:pPr/>
+              <a:t>18</a:t>
+            </a:fld>
+            <a:endParaRPr lang="de-CH"/>
+          </a:p>
+        </p:txBody>
+      </p:sp>
+    </p:spTree>
+    <p:extLst>
+      <p:ext uri="{BB962C8B-B14F-4D97-AF65-F5344CB8AC3E}">
+        <p14:creationId xmlns:p14="http://schemas.microsoft.com/office/powerpoint/2010/main" val="611001362"/>
+      </p:ext>
+    </p:extLst>
+  </p:cSld>
+  <p:clrMapOvr>
+    <a:masterClrMapping/>
+  </p:clrMapOvr>
+</p:notes>
+</file>
+
+<file path=ppt/notesSlides/notesSlide13.xml><?xml version="1.0" encoding="utf-8"?>
+<p:notes xmlns:a="http://schemas.openxmlformats.org/drawingml/2006/main" xmlns:r="http://schemas.openxmlformats.org/officeDocument/2006/relationships" xmlns:p="http://schemas.openxmlformats.org/presentationml/2006/main">
+  <p:cSld>
+    <p:spTree>
+      <p:nvGrpSpPr>
+        <p:cNvPr id="1" name="">
+          <a:extLst>
+            <a:ext uri="{FF2B5EF4-FFF2-40B4-BE49-F238E27FC236}">
+              <a16:creationId xmlns:a16="http://schemas.microsoft.com/office/drawing/2014/main" id="{A22BB637-9C69-E4BF-9D55-91DDD76E381C}"/>
+            </a:ext>
+          </a:extLst>
+        </p:cNvPr>
+        <p:cNvGrpSpPr/>
+        <p:nvPr/>
+      </p:nvGrpSpPr>
+      <p:grpSpPr>
+        <a:xfrm>
+          <a:off x="0" y="0"/>
+          <a:ext cx="0" cy="0"/>
+          <a:chOff x="0" y="0"/>
+          <a:chExt cx="0" cy="0"/>
+        </a:xfrm>
+      </p:grpSpPr>
+      <p:sp>
+        <p:nvSpPr>
+          <p:cNvPr id="2" name="Slide Image Placeholder 1">
+            <a:extLst>
+              <a:ext uri="{FF2B5EF4-FFF2-40B4-BE49-F238E27FC236}">
+                <a16:creationId xmlns:a16="http://schemas.microsoft.com/office/drawing/2014/main" id="{47400A54-662F-47A9-6649-F3B2EA5D5531}"/>
+              </a:ext>
+            </a:extLst>
+          </p:cNvPr>
+          <p:cNvSpPr>
+            <a:spLocks noGrp="1" noRot="1" noChangeAspect="1"/>
+          </p:cNvSpPr>
+          <p:nvPr>
+            <p:ph type="sldImg"/>
+          </p:nvPr>
+        </p:nvSpPr>
+        <p:spPr/>
+      </p:sp>
+      <p:sp>
+        <p:nvSpPr>
+          <p:cNvPr id="3" name="Notes Placeholder 2">
+            <a:extLst>
+              <a:ext uri="{FF2B5EF4-FFF2-40B4-BE49-F238E27FC236}">
+                <a16:creationId xmlns:a16="http://schemas.microsoft.com/office/drawing/2014/main" id="{E132780C-A1B9-F54F-739E-1B1ECC081AB5}"/>
+              </a:ext>
+            </a:extLst>
+          </p:cNvPr>
+          <p:cNvSpPr>
+            <a:spLocks noGrp="1"/>
+          </p:cNvSpPr>
+          <p:nvPr>
+            <p:ph type="body" idx="1"/>
+          </p:nvPr>
+        </p:nvSpPr>
+        <p:spPr/>
+        <p:txBody>
+          <a:bodyPr/>
+          <a:lstStyle/>
+          <a:p>
+            <a:endParaRPr lang="en-GB" noProof="0"/>
+          </a:p>
+        </p:txBody>
+      </p:sp>
+      <p:sp>
+        <p:nvSpPr>
+          <p:cNvPr id="4" name="Slide Number Placeholder 3">
+            <a:extLst>
+              <a:ext uri="{FF2B5EF4-FFF2-40B4-BE49-F238E27FC236}">
+                <a16:creationId xmlns:a16="http://schemas.microsoft.com/office/drawing/2014/main" id="{2EAE5691-6245-08AF-1D2A-B3163DE0A0E4}"/>
+              </a:ext>
+            </a:extLst>
+          </p:cNvPr>
+          <p:cNvSpPr>
+            <a:spLocks noGrp="1"/>
+          </p:cNvSpPr>
+          <p:nvPr>
+            <p:ph type="sldNum" sz="quarter" idx="5"/>
+          </p:nvPr>
+        </p:nvSpPr>
+        <p:spPr/>
+        <p:txBody>
+          <a:bodyPr/>
+          <a:lstStyle/>
+          <a:p>
+            <a:fld id="{6A4FF178-7F5C-4C53-AC97-DF4205D97146}" type="slidenum">
+              <a:rPr lang="de-CH" smtClean="0"/>
+              <a:pPr/>
+              <a:t>21</a:t>
+            </a:fld>
+            <a:endParaRPr lang="de-CH"/>
+          </a:p>
+        </p:txBody>
+      </p:sp>
+    </p:spTree>
+    <p:extLst>
+      <p:ext uri="{BB962C8B-B14F-4D97-AF65-F5344CB8AC3E}">
+        <p14:creationId xmlns:p14="http://schemas.microsoft.com/office/powerpoint/2010/main" val="2934205709"/>
+      </p:ext>
+    </p:extLst>
+  </p:cSld>
+  <p:clrMapOvr>
+    <a:masterClrMapping/>
+  </p:clrMapOvr>
+</p:notes>
+</file>
+
 <file path=ppt/notesSlides/notesSlide2.xml><?xml version="1.0" encoding="utf-8"?>
 <p:notes xmlns:a="http://schemas.openxmlformats.org/drawingml/2006/main" xmlns:r="http://schemas.openxmlformats.org/officeDocument/2006/relationships" xmlns:p="http://schemas.openxmlformats.org/presentationml/2006/main">
   <p:cSld>
@@ -949,6 +1446,51 @@
           <a:bodyPr/>
           <a:lstStyle/>
           <a:p>
+            <a:r>
+              <a:rPr lang="vi-VN"/>
+              <a:t>Xin chào mọi người, hôm nay </a:t>
+            </a:r>
+            <a:r>
+              <a:rPr lang="en-US"/>
+              <a:t>em</a:t>
+            </a:r>
+            <a:r>
+              <a:rPr lang="vi-VN"/>
+              <a:t> sẽ chia sẻ về hành trình học tập và trải nghiệm cá nhân trong chương trình </a:t>
+            </a:r>
+            <a:r>
+              <a:rPr lang="en-US"/>
+              <a:t>YPP4 </a:t>
+            </a:r>
+          </a:p>
+          <a:p>
+            <a:r>
+              <a:rPr lang="vi-VN"/>
+              <a:t>Mục tiêu của buổi thuyết trình: </a:t>
+            </a:r>
+            <a:r>
+              <a:rPr lang="en-US"/>
+              <a:t>chia sẻ </a:t>
+            </a:r>
+            <a:r>
+              <a:rPr lang="vi-VN"/>
+              <a:t>những milestone quan trọng và những kỹ năng, kiến thức </a:t>
+            </a:r>
+            <a:r>
+              <a:rPr lang="en-US"/>
+              <a:t>em</a:t>
+            </a:r>
+            <a:r>
+              <a:rPr lang="vi-VN"/>
+              <a:t> đã tích lũy</a:t>
+            </a:r>
+            <a:r>
+              <a:rPr lang="en-US"/>
+              <a:t> từ đầu chương trình đến giờ</a:t>
+            </a:r>
+            <a:endParaRPr lang="vi-VN"/>
+          </a:p>
+          <a:p>
             <a:endParaRPr lang="de-CH"/>
           </a:p>
         </p:txBody>
@@ -1204,7 +1746,7 @@
           <a:bodyPr/>
           <a:lstStyle/>
           <a:p>
-            <a:endParaRPr lang="en-GB" noProof="0"/>
+            <a:endParaRPr lang="en-US"/>
           </a:p>
         </p:txBody>
       </p:sp>
@@ -1226,7 +1768,7 @@
             <a:fld id="{6A4FF178-7F5C-4C53-AC97-DF4205D97146}" type="slidenum">
               <a:rPr lang="de-CH" smtClean="0"/>
               <a:pPr/>
-              <a:t>7</a:t>
+              <a:t>6</a:t>
             </a:fld>
             <a:endParaRPr lang="de-CH"/>
           </a:p>
@@ -1235,7 +1777,7 @@
     </p:spTree>
     <p:extLst>
       <p:ext uri="{BB962C8B-B14F-4D97-AF65-F5344CB8AC3E}">
-        <p14:creationId xmlns:p14="http://schemas.microsoft.com/office/powerpoint/2010/main" val="3862348332"/>
+        <p14:creationId xmlns:p14="http://schemas.microsoft.com/office/powerpoint/2010/main" val="2737089619"/>
       </p:ext>
     </p:extLst>
   </p:cSld>
@@ -1250,13 +1792,7 @@
   <p:cSld>
     <p:spTree>
       <p:nvGrpSpPr>
-        <p:cNvPr id="1" name="">
-          <a:extLst>
-            <a:ext uri="{FF2B5EF4-FFF2-40B4-BE49-F238E27FC236}">
-              <a16:creationId xmlns:a16="http://schemas.microsoft.com/office/drawing/2014/main" id="{1335737C-17AB-E546-3D61-88159F4878EA}"/>
-            </a:ext>
-          </a:extLst>
-        </p:cNvPr>
+        <p:cNvPr id="1" name=""/>
         <p:cNvGrpSpPr/>
         <p:nvPr/>
       </p:nvGrpSpPr>
@@ -1270,13 +1806,7 @@
       </p:grpSpPr>
       <p:sp>
         <p:nvSpPr>
-          <p:cNvPr id="2" name="Slide Image Placeholder 1">
-            <a:extLst>
-              <a:ext uri="{FF2B5EF4-FFF2-40B4-BE49-F238E27FC236}">
-                <a16:creationId xmlns:a16="http://schemas.microsoft.com/office/drawing/2014/main" id="{2AEA9406-12EC-CE3E-8840-EA69911B32E5}"/>
-              </a:ext>
-            </a:extLst>
-          </p:cNvPr>
+          <p:cNvPr id="2" name="Slide Image Placeholder 1"/>
           <p:cNvSpPr>
             <a:spLocks noGrp="1" noRot="1" noChangeAspect="1"/>
           </p:cNvSpPr>
@@ -1288,13 +1818,7 @@
       </p:sp>
       <p:sp>
         <p:nvSpPr>
-          <p:cNvPr id="3" name="Notes Placeholder 2">
-            <a:extLst>
-              <a:ext uri="{FF2B5EF4-FFF2-40B4-BE49-F238E27FC236}">
-                <a16:creationId xmlns:a16="http://schemas.microsoft.com/office/drawing/2014/main" id="{B8897A2B-5488-4D1E-E07A-E483CDCF7363}"/>
-              </a:ext>
-            </a:extLst>
-          </p:cNvPr>
+          <p:cNvPr id="3" name="Notes Placeholder 2"/>
           <p:cNvSpPr>
             <a:spLocks noGrp="1"/>
           </p:cNvSpPr>
@@ -1313,13 +1837,7 @@
       </p:sp>
       <p:sp>
         <p:nvSpPr>
-          <p:cNvPr id="4" name="Slide Number Placeholder 3">
-            <a:extLst>
-              <a:ext uri="{FF2B5EF4-FFF2-40B4-BE49-F238E27FC236}">
-                <a16:creationId xmlns:a16="http://schemas.microsoft.com/office/drawing/2014/main" id="{C54229F1-4BD1-631C-55F9-659038A123BE}"/>
-              </a:ext>
-            </a:extLst>
-          </p:cNvPr>
+          <p:cNvPr id="4" name="Slide Number Placeholder 3"/>
           <p:cNvSpPr>
             <a:spLocks noGrp="1"/>
           </p:cNvSpPr>
@@ -1335,7 +1853,7 @@
             <a:fld id="{6A4FF178-7F5C-4C53-AC97-DF4205D97146}" type="slidenum">
               <a:rPr lang="de-CH" smtClean="0"/>
               <a:pPr/>
-              <a:t>15</a:t>
+              <a:t>7</a:t>
             </a:fld>
             <a:endParaRPr lang="de-CH"/>
           </a:p>
@@ -1344,7 +1862,7 @@
     </p:spTree>
     <p:extLst>
       <p:ext uri="{BB962C8B-B14F-4D97-AF65-F5344CB8AC3E}">
-        <p14:creationId xmlns:p14="http://schemas.microsoft.com/office/powerpoint/2010/main" val="4073684889"/>
+        <p14:creationId xmlns:p14="http://schemas.microsoft.com/office/powerpoint/2010/main" val="3862348332"/>
       </p:ext>
     </p:extLst>
   </p:cSld>
@@ -1359,13 +1877,7 @@
   <p:cSld>
     <p:spTree>
       <p:nvGrpSpPr>
-        <p:cNvPr id="1" name="">
-          <a:extLst>
-            <a:ext uri="{FF2B5EF4-FFF2-40B4-BE49-F238E27FC236}">
-              <a16:creationId xmlns:a16="http://schemas.microsoft.com/office/drawing/2014/main" id="{599CD1E5-9C38-AF82-41AD-4B3CD8D05554}"/>
-            </a:ext>
-          </a:extLst>
-        </p:cNvPr>
+        <p:cNvPr id="1" name=""/>
         <p:cNvGrpSpPr/>
         <p:nvPr/>
       </p:nvGrpSpPr>
@@ -1379,13 +1891,7 @@
       </p:grpSpPr>
       <p:sp>
         <p:nvSpPr>
-          <p:cNvPr id="2" name="Slide Image Placeholder 1">
-            <a:extLst>
-              <a:ext uri="{FF2B5EF4-FFF2-40B4-BE49-F238E27FC236}">
-                <a16:creationId xmlns:a16="http://schemas.microsoft.com/office/drawing/2014/main" id="{E5DBCFBD-0221-36C0-390D-662FCBD54FDD}"/>
-              </a:ext>
-            </a:extLst>
-          </p:cNvPr>
+          <p:cNvPr id="2" name="Slide Image Placeholder 1"/>
           <p:cNvSpPr>
             <a:spLocks noGrp="1" noRot="1" noChangeAspect="1"/>
           </p:cNvSpPr>
@@ -1397,13 +1903,7 @@
       </p:sp>
       <p:sp>
         <p:nvSpPr>
-          <p:cNvPr id="3" name="Notes Placeholder 2">
-            <a:extLst>
-              <a:ext uri="{FF2B5EF4-FFF2-40B4-BE49-F238E27FC236}">
-                <a16:creationId xmlns:a16="http://schemas.microsoft.com/office/drawing/2014/main" id="{8B3E3768-78A2-4E34-10BA-D5683A83E2FA}"/>
-              </a:ext>
-            </a:extLst>
-          </p:cNvPr>
+          <p:cNvPr id="3" name="Notes Placeholder 2"/>
           <p:cNvSpPr>
             <a:spLocks noGrp="1"/>
           </p:cNvSpPr>
@@ -1416,19 +1916,67 @@
           <a:bodyPr/>
           <a:lstStyle/>
           <a:p>
-            <a:endParaRPr lang="en-GB" noProof="0"/>
-          </a:p>
-        </p:txBody>
-      </p:sp>
-      <p:sp>
-        <p:nvSpPr>
-          <p:cNvPr id="4" name="Slide Number Placeholder 3">
-            <a:extLst>
-              <a:ext uri="{FF2B5EF4-FFF2-40B4-BE49-F238E27FC236}">
-                <a16:creationId xmlns:a16="http://schemas.microsoft.com/office/drawing/2014/main" id="{51062B83-59B2-2248-ABDA-16E2745436F5}"/>
-              </a:ext>
-            </a:extLst>
-          </p:cNvPr>
+            <a:r>
+              <a:rPr lang="vi-VN"/>
+              <a:t>Được onboarding vào YPP4, làm quen team → giúp mình nhanh chóng hòa nhập.</a:t>
+            </a:r>
+          </a:p>
+          <a:p>
+            <a:r>
+              <a:rPr lang="vi-VN"/>
+              <a:t>Tìm hiểu </a:t>
+            </a:r>
+            <a:r>
+              <a:rPr lang="vi-VN" b="1"/>
+              <a:t>Software Development Quality Map</a:t>
+            </a:r>
+            <a:r>
+              <a:rPr lang="vi-VN"/>
+              <a:t> → hiểu rõ tiêu chí chất lượng phần mềm.</a:t>
+            </a:r>
+          </a:p>
+          <a:p>
+            <a:r>
+              <a:rPr lang="vi-VN"/>
+              <a:t>Nắm được </a:t>
+            </a:r>
+            <a:r>
+              <a:rPr lang="vi-VN" b="1"/>
+              <a:t>cấu trúc chương trình &amp; kỳ vọng</a:t>
+            </a:r>
+            <a:r>
+              <a:rPr lang="vi-VN"/>
+              <a:t> → có định hướng phát triển rõ ràng.</a:t>
+            </a:r>
+          </a:p>
+          <a:p>
+            <a:r>
+              <a:rPr lang="vi-VN"/>
+              <a:t>Thích nghi với môi trường làm việc chuyên nghiệp mới.</a:t>
+            </a:r>
+          </a:p>
+          <a:p>
+            <a:r>
+              <a:rPr lang="vi-VN"/>
+              <a:t>Lần đầu tiếp cận </a:t>
+            </a:r>
+            <a:r>
+              <a:rPr lang="vi-VN" b="1"/>
+              <a:t>Top-Down Approach, Scrum, BPMN, S.M.A.R.T questioning</a:t>
+            </a:r>
+            <a:r>
+              <a:rPr lang="vi-VN"/>
+              <a:t> → xây nền tảng kỹ năng quan trọng.</a:t>
+            </a:r>
+          </a:p>
+          <a:p>
+            <a:endParaRPr lang="en-US"/>
+          </a:p>
+        </p:txBody>
+      </p:sp>
+      <p:sp>
+        <p:nvSpPr>
+          <p:cNvPr id="4" name="Slide Number Placeholder 3"/>
           <p:cNvSpPr>
             <a:spLocks noGrp="1"/>
           </p:cNvSpPr>
@@ -1444,7 +1992,7 @@
             <a:fld id="{6A4FF178-7F5C-4C53-AC97-DF4205D97146}" type="slidenum">
               <a:rPr lang="de-CH" smtClean="0"/>
               <a:pPr/>
-              <a:t>17</a:t>
+              <a:t>9</a:t>
             </a:fld>
             <a:endParaRPr lang="de-CH"/>
           </a:p>
@@ -1453,7 +2001,7 @@
     </p:spTree>
     <p:extLst>
       <p:ext uri="{BB962C8B-B14F-4D97-AF65-F5344CB8AC3E}">
-        <p14:creationId xmlns:p14="http://schemas.microsoft.com/office/powerpoint/2010/main" val="611001362"/>
+        <p14:creationId xmlns:p14="http://schemas.microsoft.com/office/powerpoint/2010/main" val="2759125038"/>
       </p:ext>
     </p:extLst>
   </p:cSld>
@@ -1468,13 +2016,7 @@
   <p:cSld>
     <p:spTree>
       <p:nvGrpSpPr>
-        <p:cNvPr id="1" name="">
-          <a:extLst>
-            <a:ext uri="{FF2B5EF4-FFF2-40B4-BE49-F238E27FC236}">
-              <a16:creationId xmlns:a16="http://schemas.microsoft.com/office/drawing/2014/main" id="{A22BB637-9C69-E4BF-9D55-91DDD76E381C}"/>
-            </a:ext>
-          </a:extLst>
-        </p:cNvPr>
+        <p:cNvPr id="1" name=""/>
         <p:cNvGrpSpPr/>
         <p:nvPr/>
       </p:nvGrpSpPr>
@@ -1488,13 +2030,7 @@
       </p:grpSpPr>
       <p:sp>
         <p:nvSpPr>
-          <p:cNvPr id="2" name="Slide Image Placeholder 1">
-            <a:extLst>
-              <a:ext uri="{FF2B5EF4-FFF2-40B4-BE49-F238E27FC236}">
-                <a16:creationId xmlns:a16="http://schemas.microsoft.com/office/drawing/2014/main" id="{47400A54-662F-47A9-6649-F3B2EA5D5531}"/>
-              </a:ext>
-            </a:extLst>
-          </p:cNvPr>
+          <p:cNvPr id="2" name="Slide Image Placeholder 1"/>
           <p:cNvSpPr>
             <a:spLocks noGrp="1" noRot="1" noChangeAspect="1"/>
           </p:cNvSpPr>
@@ -1506,13 +2042,7 @@
       </p:sp>
       <p:sp>
         <p:nvSpPr>
-          <p:cNvPr id="3" name="Notes Placeholder 2">
-            <a:extLst>
-              <a:ext uri="{FF2B5EF4-FFF2-40B4-BE49-F238E27FC236}">
-                <a16:creationId xmlns:a16="http://schemas.microsoft.com/office/drawing/2014/main" id="{E132780C-A1B9-F54F-739E-1B1ECC081AB5}"/>
-              </a:ext>
-            </a:extLst>
-          </p:cNvPr>
+          <p:cNvPr id="3" name="Notes Placeholder 2"/>
           <p:cNvSpPr>
             <a:spLocks noGrp="1"/>
           </p:cNvSpPr>
@@ -1525,19 +2055,97 @@
           <a:bodyPr/>
           <a:lstStyle/>
           <a:p>
-            <a:endParaRPr lang="en-GB" noProof="0"/>
-          </a:p>
-        </p:txBody>
-      </p:sp>
-      <p:sp>
-        <p:nvSpPr>
-          <p:cNvPr id="4" name="Slide Number Placeholder 3">
-            <a:extLst>
-              <a:ext uri="{FF2B5EF4-FFF2-40B4-BE49-F238E27FC236}">
-                <a16:creationId xmlns:a16="http://schemas.microsoft.com/office/drawing/2014/main" id="{2EAE5691-6245-08AF-1D2A-B3163DE0A0E4}"/>
-              </a:ext>
-            </a:extLst>
-          </p:cNvPr>
+            <a:r>
+              <a:rPr lang="vi-VN"/>
+              <a:t>Học </a:t>
+            </a:r>
+            <a:r>
+              <a:rPr lang="vi-VN" b="1"/>
+              <a:t>các nguyên tắc cơ bản về database design</a:t>
+            </a:r>
+            <a:r>
+              <a:rPr lang="vi-VN"/>
+              <a:t>.</a:t>
+            </a:r>
+          </a:p>
+          <a:p>
+            <a:r>
+              <a:rPr lang="vi-VN"/>
+              <a:t>Thực hành viết </a:t>
+            </a:r>
+            <a:r>
+              <a:rPr lang="vi-VN" b="1"/>
+              <a:t>SQL queries</a:t>
+            </a:r>
+            <a:r>
+              <a:rPr lang="vi-VN"/>
+              <a:t> để thao tác dữ liệu.</a:t>
+            </a:r>
+          </a:p>
+          <a:p>
+            <a:r>
+              <a:rPr lang="vi-VN"/>
+              <a:t>Xác định </a:t>
+            </a:r>
+            <a:r>
+              <a:rPr lang="vi-VN" b="1"/>
+              <a:t>entities quan trọng</a:t>
+            </a:r>
+            <a:r>
+              <a:rPr lang="vi-VN"/>
+              <a:t> trong database.</a:t>
+            </a:r>
+          </a:p>
+          <a:p>
+            <a:r>
+              <a:rPr lang="vi-VN"/>
+              <a:t>Làm quen với </a:t>
+            </a:r>
+            <a:r>
+              <a:rPr lang="vi-VN" b="1"/>
+              <a:t>UI analysis cơ bản</a:t>
+            </a:r>
+            <a:r>
+              <a:rPr lang="vi-VN"/>
+              <a:t> để hỗ trợ thiết kế.</a:t>
+            </a:r>
+          </a:p>
+          <a:p>
+            <a:r>
+              <a:rPr lang="vi-VN"/>
+              <a:t>Áp dụng kiến thức qua </a:t>
+            </a:r>
+            <a:r>
+              <a:rPr lang="vi-VN" b="1"/>
+              <a:t>bài tập nhỏ, thực hành đơn giản</a:t>
+            </a:r>
+            <a:r>
+              <a:rPr lang="vi-VN"/>
+              <a:t>.</a:t>
+            </a:r>
+          </a:p>
+          <a:p>
+            <a:r>
+              <a:rPr lang="vi-VN"/>
+              <a:t>Từ đó dần </a:t>
+            </a:r>
+            <a:r>
+              <a:rPr lang="vi-VN" b="1"/>
+              <a:t>tự tin hơn với các nền tảng kỹ thuật</a:t>
+            </a:r>
+            <a:r>
+              <a:rPr lang="vi-VN"/>
+              <a:t>.</a:t>
+            </a:r>
+          </a:p>
+          <a:p>
+            <a:endParaRPr lang="en-US"/>
+          </a:p>
+        </p:txBody>
+      </p:sp>
+      <p:sp>
+        <p:nvSpPr>
+          <p:cNvPr id="4" name="Slide Number Placeholder 3"/>
           <p:cNvSpPr>
             <a:spLocks noGrp="1"/>
           </p:cNvSpPr>
@@ -1553,7 +2161,7 @@
             <a:fld id="{6A4FF178-7F5C-4C53-AC97-DF4205D97146}" type="slidenum">
               <a:rPr lang="de-CH" smtClean="0"/>
               <a:pPr/>
-              <a:t>20</a:t>
+              <a:t>10</a:t>
             </a:fld>
             <a:endParaRPr lang="de-CH"/>
           </a:p>
@@ -1562,7 +2170,7 @@
     </p:spTree>
     <p:extLst>
       <p:ext uri="{BB962C8B-B14F-4D97-AF65-F5344CB8AC3E}">
-        <p14:creationId xmlns:p14="http://schemas.microsoft.com/office/powerpoint/2010/main" val="2934205709"/>
+        <p14:creationId xmlns:p14="http://schemas.microsoft.com/office/powerpoint/2010/main" val="323345574"/>
       </p:ext>
     </p:extLst>
   </p:cSld>
@@ -14918,7 +15526,7 @@
           <p:nvPr/>
         </p:nvPicPr>
         <p:blipFill>
-          <a:blip r:embed="rId2"/>
+          <a:blip r:embed="rId3"/>
           <a:stretch>
             <a:fillRect/>
           </a:stretch>
@@ -14953,7 +15561,7 @@
           <p:nvPr/>
         </p:nvPicPr>
         <p:blipFill>
-          <a:blip r:embed="rId3"/>
+          <a:blip r:embed="rId4"/>
           <a:stretch>
             <a:fillRect/>
           </a:stretch>
@@ -15106,91 +15714,12 @@
           <a:chExt cx="0" cy="0"/>
         </a:xfrm>
       </p:grpSpPr>
-      <p:sp>
-        <p:nvSpPr>
-          <p:cNvPr id="2" name="Text Placeholder 1">
-            <a:extLst>
-              <a:ext uri="{FF2B5EF4-FFF2-40B4-BE49-F238E27FC236}">
-                <a16:creationId xmlns:a16="http://schemas.microsoft.com/office/drawing/2014/main" id="{D63DEE60-1045-7A6B-5C64-6EE5578E0790}"/>
-              </a:ext>
-            </a:extLst>
-          </p:cNvPr>
-          <p:cNvSpPr>
-            <a:spLocks noGrp="1"/>
-          </p:cNvSpPr>
-          <p:nvPr>
-            <p:ph type="body" sz="quarter" idx="13"/>
-          </p:nvPr>
-        </p:nvSpPr>
-        <p:spPr>
-          <a:xfrm>
-            <a:off x="431400" y="1781426"/>
-            <a:ext cx="11329200" cy="1647574"/>
-          </a:xfrm>
-        </p:spPr>
-        <p:txBody>
-          <a:bodyPr/>
-          <a:lstStyle/>
-          <a:p>
-            <a:r>
-              <a:rPr lang="en-US"/>
-              <a:t>Learned Dapper &amp; Entity Framework (EF) for database interaction</a:t>
-            </a:r>
-          </a:p>
-          <a:p>
-            <a:r>
-              <a:rPr lang="en-US"/>
-              <a:t>Explored MVC architecture to structure applications</a:t>
-            </a:r>
-          </a:p>
-          <a:p>
-            <a:r>
-              <a:rPr lang="en-US"/>
-              <a:t>Studied Slowly Changing Dimensions (SCD 1, 2, 3) for data versioning</a:t>
-            </a:r>
-          </a:p>
-          <a:p>
-            <a:r>
-              <a:rPr lang="en-US"/>
-              <a:t>Applied Clean Code principles: SOLID principles, class design, HATEOAS</a:t>
-            </a:r>
-          </a:p>
-        </p:txBody>
-      </p:sp>
-      <p:sp>
-        <p:nvSpPr>
-          <p:cNvPr id="3" name="Title 2">
-            <a:extLst>
-              <a:ext uri="{FF2B5EF4-FFF2-40B4-BE49-F238E27FC236}">
-                <a16:creationId xmlns:a16="http://schemas.microsoft.com/office/drawing/2014/main" id="{0CC457DC-6568-FCC9-5787-1BFF8B77787D}"/>
-              </a:ext>
-            </a:extLst>
-          </p:cNvPr>
-          <p:cNvSpPr>
-            <a:spLocks noGrp="1"/>
-          </p:cNvSpPr>
-          <p:nvPr>
-            <p:ph type="title"/>
-          </p:nvPr>
-        </p:nvSpPr>
-        <p:spPr/>
-        <p:txBody>
-          <a:bodyPr/>
-          <a:lstStyle/>
-          <a:p>
-            <a:r>
-              <a:rPr lang="en-US"/>
-              <a:t>Learning Journey</a:t>
-            </a:r>
-          </a:p>
-        </p:txBody>
-      </p:sp>
       <p:pic>
         <p:nvPicPr>
-          <p:cNvPr id="10" name="Picture 9">
-            <a:extLst>
-              <a:ext uri="{FF2B5EF4-FFF2-40B4-BE49-F238E27FC236}">
-                <a16:creationId xmlns:a16="http://schemas.microsoft.com/office/drawing/2014/main" id="{6C8974EA-611E-1404-4A81-91F8D1CC6D03}"/>
+          <p:cNvPr id="5" name="Picture 4">
+            <a:extLst>
+              <a:ext uri="{FF2B5EF4-FFF2-40B4-BE49-F238E27FC236}">
+                <a16:creationId xmlns:a16="http://schemas.microsoft.com/office/drawing/2014/main" id="{6EB3EAFE-3DC4-CE1A-39ED-01FD61027949}"/>
               </a:ext>
             </a:extLst>
           </p:cNvPr>
@@ -15207,8 +15736,8 @@
         </p:blipFill>
         <p:spPr>
           <a:xfrm>
-            <a:off x="448041" y="3645709"/>
-            <a:ext cx="6506483" cy="2905530"/>
+            <a:off x="6919508" y="1151755"/>
+            <a:ext cx="4655367" cy="5054603"/>
           </a:xfrm>
           <a:prstGeom prst="rect">
             <a:avLst/>
@@ -15217,10 +15746,10 @@
       </p:pic>
       <p:sp>
         <p:nvSpPr>
-          <p:cNvPr id="11" name="AutoShape 3" descr="Understanding SOLID Principles in C# - DEV Community">
-            <a:extLst>
-              <a:ext uri="{FF2B5EF4-FFF2-40B4-BE49-F238E27FC236}">
-                <a16:creationId xmlns:a16="http://schemas.microsoft.com/office/drawing/2014/main" id="{7893BBB1-F9E4-2A64-E86E-E4DA063E2C76}"/>
+          <p:cNvPr id="6" name="AutoShape 2">
+            <a:extLst>
+              <a:ext uri="{FF2B5EF4-FFF2-40B4-BE49-F238E27FC236}">
+                <a16:creationId xmlns:a16="http://schemas.microsoft.com/office/drawing/2014/main" id="{C44D460E-FC4E-A090-394C-CBE2E7A84A94}"/>
               </a:ext>
             </a:extLst>
           </p:cNvPr>
@@ -15262,10 +15791,10 @@
       </p:sp>
       <p:pic>
         <p:nvPicPr>
-          <p:cNvPr id="12" name="Picture 11">
-            <a:extLst>
-              <a:ext uri="{FF2B5EF4-FFF2-40B4-BE49-F238E27FC236}">
-                <a16:creationId xmlns:a16="http://schemas.microsoft.com/office/drawing/2014/main" id="{8013ADF4-0760-78A3-B37D-673BE9319CC2}"/>
+          <p:cNvPr id="7" name="Picture 6">
+            <a:extLst>
+              <a:ext uri="{FF2B5EF4-FFF2-40B4-BE49-F238E27FC236}">
+                <a16:creationId xmlns:a16="http://schemas.microsoft.com/office/drawing/2014/main" id="{BB59D714-B451-D4DB-27E6-695EEA259B39}"/>
               </a:ext>
             </a:extLst>
           </p:cNvPr>
@@ -15276,6 +15805,347 @@
         </p:nvPicPr>
         <p:blipFill>
           <a:blip r:embed="rId3"/>
+          <a:stretch>
+            <a:fillRect/>
+          </a:stretch>
+        </p:blipFill>
+        <p:spPr>
+          <a:xfrm>
+            <a:off x="431999" y="1194267"/>
+            <a:ext cx="5152696" cy="4664779"/>
+          </a:xfrm>
+          <a:prstGeom prst="rect">
+            <a:avLst/>
+          </a:prstGeom>
+        </p:spPr>
+      </p:pic>
+      <p:sp>
+        <p:nvSpPr>
+          <p:cNvPr id="8" name="TextBox 7">
+            <a:extLst>
+              <a:ext uri="{FF2B5EF4-FFF2-40B4-BE49-F238E27FC236}">
+                <a16:creationId xmlns:a16="http://schemas.microsoft.com/office/drawing/2014/main" id="{F797D051-78BB-2839-C4BF-E395F13C9301}"/>
+              </a:ext>
+            </a:extLst>
+          </p:cNvPr>
+          <p:cNvSpPr txBox="1"/>
+          <p:nvPr/>
+        </p:nvSpPr>
+        <p:spPr>
+          <a:xfrm>
+            <a:off x="2093947" y="6072788"/>
+            <a:ext cx="914400" cy="399393"/>
+          </a:xfrm>
+          <a:prstGeom prst="rect">
+            <a:avLst/>
+          </a:prstGeom>
+          <a:noFill/>
+        </p:spPr>
+        <p:txBody>
+          <a:bodyPr wrap="none" lIns="0" tIns="0" rIns="0" bIns="0" rtlCol="0" anchor="t" anchorCtr="0">
+            <a:noAutofit/>
+          </a:bodyPr>
+          <a:lstStyle/>
+          <a:p>
+            <a:pPr algn="l" rtl="0">
+              <a:lnSpc>
+                <a:spcPct val="120000"/>
+              </a:lnSpc>
+              <a:spcAft>
+                <a:spcPts val="600"/>
+              </a:spcAft>
+              <a:buClr>
+                <a:schemeClr val="tx1"/>
+              </a:buClr>
+            </a:pPr>
+            <a:r>
+              <a:rPr lang="en-US" b="1"/>
+              <a:t>BEFORE</a:t>
+            </a:r>
+            <a:endParaRPr lang="en-US" b="1" dirty="0" err="1"/>
+          </a:p>
+        </p:txBody>
+      </p:sp>
+      <p:sp>
+        <p:nvSpPr>
+          <p:cNvPr id="9" name="TextBox 8">
+            <a:extLst>
+              <a:ext uri="{FF2B5EF4-FFF2-40B4-BE49-F238E27FC236}">
+                <a16:creationId xmlns:a16="http://schemas.microsoft.com/office/drawing/2014/main" id="{F032903A-AABB-8BB2-7C45-D439551631AB}"/>
+              </a:ext>
+            </a:extLst>
+          </p:cNvPr>
+          <p:cNvSpPr txBox="1"/>
+          <p:nvPr/>
+        </p:nvSpPr>
+        <p:spPr>
+          <a:xfrm>
+            <a:off x="9151644" y="6057022"/>
+            <a:ext cx="914400" cy="399393"/>
+          </a:xfrm>
+          <a:prstGeom prst="rect">
+            <a:avLst/>
+          </a:prstGeom>
+          <a:noFill/>
+        </p:spPr>
+        <p:txBody>
+          <a:bodyPr wrap="none" lIns="0" tIns="0" rIns="0" bIns="0" rtlCol="0" anchor="t" anchorCtr="0">
+            <a:noAutofit/>
+          </a:bodyPr>
+          <a:lstStyle/>
+          <a:p>
+            <a:pPr algn="l" rtl="0">
+              <a:lnSpc>
+                <a:spcPct val="120000"/>
+              </a:lnSpc>
+              <a:spcAft>
+                <a:spcPts val="600"/>
+              </a:spcAft>
+              <a:buClr>
+                <a:schemeClr val="tx1"/>
+              </a:buClr>
+            </a:pPr>
+            <a:r>
+              <a:rPr lang="en-US" b="1"/>
+              <a:t>AFTER</a:t>
+            </a:r>
+            <a:endParaRPr lang="en-US" b="1" dirty="0" err="1"/>
+          </a:p>
+        </p:txBody>
+      </p:sp>
+      <p:sp>
+        <p:nvSpPr>
+          <p:cNvPr id="12" name="Title 11">
+            <a:extLst>
+              <a:ext uri="{FF2B5EF4-FFF2-40B4-BE49-F238E27FC236}">
+                <a16:creationId xmlns:a16="http://schemas.microsoft.com/office/drawing/2014/main" id="{1D355ECE-3CF1-05C0-D769-6B4C5A14FEC0}"/>
+              </a:ext>
+            </a:extLst>
+          </p:cNvPr>
+          <p:cNvSpPr>
+            <a:spLocks noGrp="1"/>
+          </p:cNvSpPr>
+          <p:nvPr>
+            <p:ph type="title"/>
+          </p:nvPr>
+        </p:nvSpPr>
+        <p:spPr>
+          <a:xfrm>
+            <a:off x="431999" y="86876"/>
+            <a:ext cx="9720000" cy="1098000"/>
+          </a:xfrm>
+        </p:spPr>
+        <p:txBody>
+          <a:bodyPr/>
+          <a:lstStyle/>
+          <a:p>
+            <a:r>
+              <a:rPr lang="en-US"/>
+              <a:t>Entity analysis exercises for the main functions of MS Lists</a:t>
+            </a:r>
+          </a:p>
+        </p:txBody>
+      </p:sp>
+    </p:spTree>
+    <p:extLst>
+      <p:ext uri="{BB962C8B-B14F-4D97-AF65-F5344CB8AC3E}">
+        <p14:creationId xmlns:p14="http://schemas.microsoft.com/office/powerpoint/2010/main" val="1116048309"/>
+      </p:ext>
+    </p:extLst>
+  </p:cSld>
+  <p:clrMapOvr>
+    <a:masterClrMapping/>
+  </p:clrMapOvr>
+</p:sld>
+</file>
+
+<file path=ppt/slides/slide12.xml><?xml version="1.0" encoding="utf-8"?>
+<p:sld xmlns:a="http://schemas.openxmlformats.org/drawingml/2006/main" xmlns:r="http://schemas.openxmlformats.org/officeDocument/2006/relationships" xmlns:p="http://schemas.openxmlformats.org/presentationml/2006/main">
+  <p:cSld>
+    <p:spTree>
+      <p:nvGrpSpPr>
+        <p:cNvPr id="1" name=""/>
+        <p:cNvGrpSpPr/>
+        <p:nvPr/>
+      </p:nvGrpSpPr>
+      <p:grpSpPr>
+        <a:xfrm>
+          <a:off x="0" y="0"/>
+          <a:ext cx="0" cy="0"/>
+          <a:chOff x="0" y="0"/>
+          <a:chExt cx="0" cy="0"/>
+        </a:xfrm>
+      </p:grpSpPr>
+      <p:sp>
+        <p:nvSpPr>
+          <p:cNvPr id="2" name="Text Placeholder 1">
+            <a:extLst>
+              <a:ext uri="{FF2B5EF4-FFF2-40B4-BE49-F238E27FC236}">
+                <a16:creationId xmlns:a16="http://schemas.microsoft.com/office/drawing/2014/main" id="{D63DEE60-1045-7A6B-5C64-6EE5578E0790}"/>
+              </a:ext>
+            </a:extLst>
+          </p:cNvPr>
+          <p:cNvSpPr>
+            <a:spLocks noGrp="1"/>
+          </p:cNvSpPr>
+          <p:nvPr>
+            <p:ph type="body" sz="quarter" idx="13"/>
+          </p:nvPr>
+        </p:nvSpPr>
+        <p:spPr>
+          <a:xfrm>
+            <a:off x="431400" y="1781426"/>
+            <a:ext cx="11329200" cy="1647574"/>
+          </a:xfrm>
+        </p:spPr>
+        <p:txBody>
+          <a:bodyPr/>
+          <a:lstStyle/>
+          <a:p>
+            <a:r>
+              <a:rPr lang="en-US"/>
+              <a:t>Learned Dapper &amp; Entity Framework (EF) for database interaction</a:t>
+            </a:r>
+          </a:p>
+          <a:p>
+            <a:r>
+              <a:rPr lang="en-US"/>
+              <a:t>Explored MVC architecture to structure applications</a:t>
+            </a:r>
+          </a:p>
+          <a:p>
+            <a:r>
+              <a:rPr lang="en-US"/>
+              <a:t>Studied Slowly Changing Dimensions (SCD 1, 2, 3) for data versioning</a:t>
+            </a:r>
+          </a:p>
+          <a:p>
+            <a:r>
+              <a:rPr lang="en-US"/>
+              <a:t>Applied Clean Code principles: SOLID principles, class design, HATEOAS</a:t>
+            </a:r>
+          </a:p>
+        </p:txBody>
+      </p:sp>
+      <p:sp>
+        <p:nvSpPr>
+          <p:cNvPr id="3" name="Title 2">
+            <a:extLst>
+              <a:ext uri="{FF2B5EF4-FFF2-40B4-BE49-F238E27FC236}">
+                <a16:creationId xmlns:a16="http://schemas.microsoft.com/office/drawing/2014/main" id="{0CC457DC-6568-FCC9-5787-1BFF8B77787D}"/>
+              </a:ext>
+            </a:extLst>
+          </p:cNvPr>
+          <p:cNvSpPr>
+            <a:spLocks noGrp="1"/>
+          </p:cNvSpPr>
+          <p:nvPr>
+            <p:ph type="title"/>
+          </p:nvPr>
+        </p:nvSpPr>
+        <p:spPr/>
+        <p:txBody>
+          <a:bodyPr/>
+          <a:lstStyle/>
+          <a:p>
+            <a:r>
+              <a:rPr lang="en-US"/>
+              <a:t>Learning Journey</a:t>
+            </a:r>
+          </a:p>
+        </p:txBody>
+      </p:sp>
+      <p:pic>
+        <p:nvPicPr>
+          <p:cNvPr id="10" name="Picture 9">
+            <a:extLst>
+              <a:ext uri="{FF2B5EF4-FFF2-40B4-BE49-F238E27FC236}">
+                <a16:creationId xmlns:a16="http://schemas.microsoft.com/office/drawing/2014/main" id="{6C8974EA-611E-1404-4A81-91F8D1CC6D03}"/>
+              </a:ext>
+            </a:extLst>
+          </p:cNvPr>
+          <p:cNvPicPr>
+            <a:picLocks noChangeAspect="1"/>
+          </p:cNvPicPr>
+          <p:nvPr/>
+        </p:nvPicPr>
+        <p:blipFill>
+          <a:blip r:embed="rId3"/>
+          <a:stretch>
+            <a:fillRect/>
+          </a:stretch>
+        </p:blipFill>
+        <p:spPr>
+          <a:xfrm>
+            <a:off x="448041" y="3645709"/>
+            <a:ext cx="6506483" cy="2905530"/>
+          </a:xfrm>
+          <a:prstGeom prst="rect">
+            <a:avLst/>
+          </a:prstGeom>
+        </p:spPr>
+      </p:pic>
+      <p:sp>
+        <p:nvSpPr>
+          <p:cNvPr id="11" name="AutoShape 3" descr="Understanding SOLID Principles in C# - DEV Community">
+            <a:extLst>
+              <a:ext uri="{FF2B5EF4-FFF2-40B4-BE49-F238E27FC236}">
+                <a16:creationId xmlns:a16="http://schemas.microsoft.com/office/drawing/2014/main" id="{7893BBB1-F9E4-2A64-E86E-E4DA063E2C76}"/>
+              </a:ext>
+            </a:extLst>
+          </p:cNvPr>
+          <p:cNvSpPr>
+            <a:spLocks noChangeAspect="1" noChangeArrowheads="1"/>
+          </p:cNvSpPr>
+          <p:nvPr/>
+        </p:nvSpPr>
+        <p:spPr bwMode="auto">
+          <a:xfrm>
+            <a:off x="5943600" y="3276600"/>
+            <a:ext cx="304800" cy="304800"/>
+          </a:xfrm>
+          <a:prstGeom prst="rect">
+            <a:avLst/>
+          </a:prstGeom>
+          <a:noFill/>
+          <a:extLst>
+            <a:ext uri="{909E8E84-426E-40DD-AFC4-6F175D3DCCD1}">
+              <a14:hiddenFill xmlns:a14="http://schemas.microsoft.com/office/drawing/2010/main">
+                <a:solidFill>
+                  <a:srgbClr val="FFFFFF"/>
+                </a:solidFill>
+              </a14:hiddenFill>
+            </a:ext>
+          </a:extLst>
+        </p:spPr>
+        <p:txBody>
+          <a:bodyPr vert="horz" wrap="square" lIns="91440" tIns="45720" rIns="91440" bIns="45720" numCol="1" anchor="t" anchorCtr="0" compatLnSpc="1">
+            <a:prstTxWarp prst="textNoShape">
+              <a:avLst/>
+            </a:prstTxWarp>
+          </a:bodyPr>
+          <a:lstStyle/>
+          <a:p>
+            <a:endParaRPr lang="en-US"/>
+          </a:p>
+        </p:txBody>
+      </p:sp>
+      <p:pic>
+        <p:nvPicPr>
+          <p:cNvPr id="12" name="Picture 11">
+            <a:extLst>
+              <a:ext uri="{FF2B5EF4-FFF2-40B4-BE49-F238E27FC236}">
+                <a16:creationId xmlns:a16="http://schemas.microsoft.com/office/drawing/2014/main" id="{8013ADF4-0760-78A3-B37D-673BE9319CC2}"/>
+              </a:ext>
+            </a:extLst>
+          </p:cNvPr>
+          <p:cNvPicPr>
+            <a:picLocks noChangeAspect="1"/>
+          </p:cNvPicPr>
+          <p:nvPr/>
+        </p:nvPicPr>
+        <p:blipFill>
+          <a:blip r:embed="rId4"/>
           <a:stretch>
             <a:fillRect/>
           </a:stretch>
@@ -15527,7 +16397,7 @@
 </p:sld>
 </file>
 
-<file path=ppt/slides/slide12.xml><?xml version="1.0" encoding="utf-8"?>
+<file path=ppt/slides/slide13.xml><?xml version="1.0" encoding="utf-8"?>
 <p:sld xmlns:a="http://schemas.openxmlformats.org/drawingml/2006/main" xmlns:r="http://schemas.openxmlformats.org/officeDocument/2006/relationships" xmlns:p="http://schemas.openxmlformats.org/presentationml/2006/main">
   <p:cSld>
     <p:spTree>
@@ -16230,7 +17100,7 @@
 </p:sld>
 </file>
 
-<file path=ppt/slides/slide13.xml><?xml version="1.0" encoding="utf-8"?>
+<file path=ppt/slides/slide14.xml><?xml version="1.0" encoding="utf-8"?>
 <p:sld xmlns:a="http://schemas.openxmlformats.org/drawingml/2006/main" xmlns:r="http://schemas.openxmlformats.org/officeDocument/2006/relationships" xmlns:p="http://schemas.openxmlformats.org/presentationml/2006/main">
   <p:cSld>
     <p:spTree>
@@ -16681,7 +17551,7 @@
 </p:sld>
 </file>
 
-<file path=ppt/slides/slide14.xml><?xml version="1.0" encoding="utf-8"?>
+<file path=ppt/slides/slide15.xml><?xml version="1.0" encoding="utf-8"?>
 <p:sld xmlns:a="http://schemas.openxmlformats.org/drawingml/2006/main" xmlns:r="http://schemas.openxmlformats.org/officeDocument/2006/relationships" xmlns:p="http://schemas.openxmlformats.org/presentationml/2006/main">
   <p:cSld>
     <p:spTree>
@@ -17022,7 +17892,7 @@
 </p:sld>
 </file>
 
-<file path=ppt/slides/slide15.xml><?xml version="1.0" encoding="utf-8"?>
+<file path=ppt/slides/slide16.xml><?xml version="1.0" encoding="utf-8"?>
 <p:sld xmlns:a="http://schemas.openxmlformats.org/drawingml/2006/main" xmlns:r="http://schemas.openxmlformats.org/officeDocument/2006/relationships" xmlns:p="http://schemas.openxmlformats.org/presentationml/2006/main">
   <p:cSld>
     <p:spTree>
@@ -17187,7 +18057,7 @@
 </p:sld>
 </file>
 
-<file path=ppt/slides/slide16.xml><?xml version="1.0" encoding="utf-8"?>
+<file path=ppt/slides/slide17.xml><?xml version="1.0" encoding="utf-8"?>
 <p:sld xmlns:a="http://schemas.openxmlformats.org/drawingml/2006/main" xmlns:r="http://schemas.openxmlformats.org/officeDocument/2006/relationships" xmlns:p="http://schemas.openxmlformats.org/presentationml/2006/main">
   <p:cSld>
     <p:spTree>
@@ -17567,7 +18437,7 @@
 </p:sld>
 </file>
 
-<file path=ppt/slides/slide17.xml><?xml version="1.0" encoding="utf-8"?>
+<file path=ppt/slides/slide18.xml><?xml version="1.0" encoding="utf-8"?>
 <p:sld xmlns:a="http://schemas.openxmlformats.org/drawingml/2006/main" xmlns:r="http://schemas.openxmlformats.org/officeDocument/2006/relationships" xmlns:p="http://schemas.openxmlformats.org/presentationml/2006/main">
   <p:cSld>
     <p:spTree>
@@ -17732,7 +18602,7 @@
 </p:sld>
 </file>
 
-<file path=ppt/slides/slide18.xml><?xml version="1.0" encoding="utf-8"?>
+<file path=ppt/slides/slide19.xml><?xml version="1.0" encoding="utf-8"?>
 <p:sld xmlns:a="http://schemas.openxmlformats.org/drawingml/2006/main" xmlns:r="http://schemas.openxmlformats.org/officeDocument/2006/relationships" xmlns:p="http://schemas.openxmlformats.org/presentationml/2006/main">
   <p:cSld>
     <p:spTree>
@@ -17787,15 +18657,6 @@
           <a:solidFill>
             <a:srgbClr val="FFFFFF"/>
           </a:solidFill>
-          <a:extLst>
-            <a:ext uri="{909E8E84-426E-40DD-AFC4-6F175D3DCCD1}">
-              <a14:hiddenFill xmlns:a14="http://schemas.microsoft.com/office/drawing/2010/main">
-                <a:solidFill>
-                  <a:srgbClr val="FFFFFF"/>
-                </a:solidFill>
-              </a14:hiddenFill>
-            </a:ext>
-          </a:extLst>
         </p:spPr>
       </p:pic>
       <p:sp>
@@ -18051,7 +18912,134 @@
 </p:sld>
 </file>
 
-<file path=ppt/slides/slide19.xml><?xml version="1.0" encoding="utf-8"?>
+<file path=ppt/slides/slide2.xml><?xml version="1.0" encoding="utf-8"?>
+<p:sld xmlns:a="http://schemas.openxmlformats.org/drawingml/2006/main" xmlns:r="http://schemas.openxmlformats.org/officeDocument/2006/relationships" xmlns:p="http://schemas.openxmlformats.org/presentationml/2006/main">
+  <p:cSld>
+    <p:spTree>
+      <p:nvGrpSpPr>
+        <p:cNvPr id="1" name=""/>
+        <p:cNvGrpSpPr/>
+        <p:nvPr/>
+      </p:nvGrpSpPr>
+      <p:grpSpPr>
+        <a:xfrm>
+          <a:off x="0" y="0"/>
+          <a:ext cx="0" cy="0"/>
+          <a:chOff x="0" y="0"/>
+          <a:chExt cx="0" cy="0"/>
+        </a:xfrm>
+      </p:grpSpPr>
+      <p:pic>
+        <p:nvPicPr>
+          <p:cNvPr id="6" name="Picture Placeholder 5">
+            <a:extLst>
+              <a:ext uri="{FF2B5EF4-FFF2-40B4-BE49-F238E27FC236}">
+                <a16:creationId xmlns:a16="http://schemas.microsoft.com/office/drawing/2014/main" id="{0818451F-DE2B-B8D1-E7DA-DF54F2094E82}"/>
+              </a:ext>
+            </a:extLst>
+          </p:cNvPr>
+          <p:cNvPicPr>
+            <a:picLocks noGrp="1" noChangeAspect="1"/>
+          </p:cNvPicPr>
+          <p:nvPr>
+            <p:ph type="pic" sz="quarter" idx="15"/>
+          </p:nvPr>
+        </p:nvPicPr>
+        <p:blipFill>
+          <a:blip r:embed="rId3">
+            <a:extLst>
+              <a:ext uri="{28A0092B-C50C-407E-A947-70E740481C1C}">
+                <a14:useLocalDpi xmlns:a14="http://schemas.microsoft.com/office/drawing/2010/main" val="0"/>
+              </a:ext>
+            </a:extLst>
+          </a:blip>
+          <a:srcRect t="32292" b="32292"/>
+          <a:stretch>
+            <a:fillRect/>
+          </a:stretch>
+        </p:blipFill>
+        <p:spPr/>
+      </p:pic>
+      <p:sp>
+        <p:nvSpPr>
+          <p:cNvPr id="3" name="Subtitle 2">
+            <a:extLst>
+              <a:ext uri="{FF2B5EF4-FFF2-40B4-BE49-F238E27FC236}">
+                <a16:creationId xmlns:a16="http://schemas.microsoft.com/office/drawing/2014/main" id="{63DC8AC8-3EE6-0346-C3D1-617A95A52B29}"/>
+              </a:ext>
+            </a:extLst>
+          </p:cNvPr>
+          <p:cNvSpPr>
+            <a:spLocks noGrp="1"/>
+          </p:cNvSpPr>
+          <p:nvPr>
+            <p:ph type="subTitle" idx="1"/>
+          </p:nvPr>
+        </p:nvSpPr>
+        <p:spPr/>
+        <p:txBody>
+          <a:bodyPr/>
+          <a:lstStyle/>
+          <a:p>
+            <a:r>
+              <a:rPr lang="en-GB"/>
+              <a:t>bbv Software Services AG  | </a:t>
+            </a:r>
+            <a:r>
+              <a:rPr lang="en-CH"/>
+              <a:t>Date</a:t>
+            </a:r>
+            <a:r>
+              <a:rPr lang="en-US"/>
+              <a:t>: 25/08/2025</a:t>
+            </a:r>
+            <a:endParaRPr lang="en-GB"/>
+          </a:p>
+        </p:txBody>
+      </p:sp>
+      <p:sp>
+        <p:nvSpPr>
+          <p:cNvPr id="4" name="Title 3">
+            <a:extLst>
+              <a:ext uri="{FF2B5EF4-FFF2-40B4-BE49-F238E27FC236}">
+                <a16:creationId xmlns:a16="http://schemas.microsoft.com/office/drawing/2014/main" id="{394A268C-5455-5620-C433-3CCEA88828C4}"/>
+              </a:ext>
+            </a:extLst>
+          </p:cNvPr>
+          <p:cNvSpPr>
+            <a:spLocks noGrp="1"/>
+          </p:cNvSpPr>
+          <p:nvPr>
+            <p:ph type="ctrTitle"/>
+          </p:nvPr>
+        </p:nvSpPr>
+        <p:spPr/>
+        <p:txBody>
+          <a:bodyPr/>
+          <a:lstStyle/>
+          <a:p>
+            <a:r>
+              <a:rPr lang="vi-VN"/>
+              <a:t>Ypp 4</a:t>
+            </a:r>
+            <a:endParaRPr lang="en-GB"/>
+          </a:p>
+        </p:txBody>
+      </p:sp>
+    </p:spTree>
+    <p:extLst>
+      <p:ext uri="{BB962C8B-B14F-4D97-AF65-F5344CB8AC3E}">
+        <p14:creationId xmlns:p14="http://schemas.microsoft.com/office/powerpoint/2010/main" val="3325570925"/>
+      </p:ext>
+    </p:extLst>
+  </p:cSld>
+  <p:clrMapOvr>
+    <a:masterClrMapping/>
+  </p:clrMapOvr>
+</p:sld>
+</file>
+
+<file path=ppt/slides/slide20.xml><?xml version="1.0" encoding="utf-8"?>
 <p:sld xmlns:a="http://schemas.openxmlformats.org/drawingml/2006/main" xmlns:r="http://schemas.openxmlformats.org/officeDocument/2006/relationships" xmlns:p="http://schemas.openxmlformats.org/presentationml/2006/main">
   <p:cSld>
     <p:spTree>
@@ -18112,15 +19100,6 @@
           <a:solidFill>
             <a:srgbClr val="FFFFFF"/>
           </a:solidFill>
-          <a:extLst>
-            <a:ext uri="{909E8E84-426E-40DD-AFC4-6F175D3DCCD1}">
-              <a14:hiddenFill xmlns:a14="http://schemas.microsoft.com/office/drawing/2010/main">
-                <a:solidFill>
-                  <a:srgbClr val="FFFFFF"/>
-                </a:solidFill>
-              </a14:hiddenFill>
-            </a:ext>
-          </a:extLst>
         </p:spPr>
       </p:pic>
       <p:sp>
@@ -18338,134 +19317,7 @@
 </p:sld>
 </file>
 
-<file path=ppt/slides/slide2.xml><?xml version="1.0" encoding="utf-8"?>
-<p:sld xmlns:a="http://schemas.openxmlformats.org/drawingml/2006/main" xmlns:r="http://schemas.openxmlformats.org/officeDocument/2006/relationships" xmlns:p="http://schemas.openxmlformats.org/presentationml/2006/main">
-  <p:cSld>
-    <p:spTree>
-      <p:nvGrpSpPr>
-        <p:cNvPr id="1" name=""/>
-        <p:cNvGrpSpPr/>
-        <p:nvPr/>
-      </p:nvGrpSpPr>
-      <p:grpSpPr>
-        <a:xfrm>
-          <a:off x="0" y="0"/>
-          <a:ext cx="0" cy="0"/>
-          <a:chOff x="0" y="0"/>
-          <a:chExt cx="0" cy="0"/>
-        </a:xfrm>
-      </p:grpSpPr>
-      <p:pic>
-        <p:nvPicPr>
-          <p:cNvPr id="6" name="Picture Placeholder 5">
-            <a:extLst>
-              <a:ext uri="{FF2B5EF4-FFF2-40B4-BE49-F238E27FC236}">
-                <a16:creationId xmlns:a16="http://schemas.microsoft.com/office/drawing/2014/main" id="{0818451F-DE2B-B8D1-E7DA-DF54F2094E82}"/>
-              </a:ext>
-            </a:extLst>
-          </p:cNvPr>
-          <p:cNvPicPr>
-            <a:picLocks noGrp="1" noChangeAspect="1"/>
-          </p:cNvPicPr>
-          <p:nvPr>
-            <p:ph type="pic" sz="quarter" idx="15"/>
-          </p:nvPr>
-        </p:nvPicPr>
-        <p:blipFill>
-          <a:blip r:embed="rId3">
-            <a:extLst>
-              <a:ext uri="{28A0092B-C50C-407E-A947-70E740481C1C}">
-                <a14:useLocalDpi xmlns:a14="http://schemas.microsoft.com/office/drawing/2010/main" val="0"/>
-              </a:ext>
-            </a:extLst>
-          </a:blip>
-          <a:srcRect t="32292" b="32292"/>
-          <a:stretch>
-            <a:fillRect/>
-          </a:stretch>
-        </p:blipFill>
-        <p:spPr/>
-      </p:pic>
-      <p:sp>
-        <p:nvSpPr>
-          <p:cNvPr id="3" name="Subtitle 2">
-            <a:extLst>
-              <a:ext uri="{FF2B5EF4-FFF2-40B4-BE49-F238E27FC236}">
-                <a16:creationId xmlns:a16="http://schemas.microsoft.com/office/drawing/2014/main" id="{63DC8AC8-3EE6-0346-C3D1-617A95A52B29}"/>
-              </a:ext>
-            </a:extLst>
-          </p:cNvPr>
-          <p:cNvSpPr>
-            <a:spLocks noGrp="1"/>
-          </p:cNvSpPr>
-          <p:nvPr>
-            <p:ph type="subTitle" idx="1"/>
-          </p:nvPr>
-        </p:nvSpPr>
-        <p:spPr/>
-        <p:txBody>
-          <a:bodyPr/>
-          <a:lstStyle/>
-          <a:p>
-            <a:r>
-              <a:rPr lang="en-GB"/>
-              <a:t>bbv Software Services AG  | </a:t>
-            </a:r>
-            <a:r>
-              <a:rPr lang="en-CH"/>
-              <a:t>Date</a:t>
-            </a:r>
-            <a:r>
-              <a:rPr lang="en-US"/>
-              <a:t>: 25/08/2025</a:t>
-            </a:r>
-            <a:endParaRPr lang="en-GB"/>
-          </a:p>
-        </p:txBody>
-      </p:sp>
-      <p:sp>
-        <p:nvSpPr>
-          <p:cNvPr id="4" name="Title 3">
-            <a:extLst>
-              <a:ext uri="{FF2B5EF4-FFF2-40B4-BE49-F238E27FC236}">
-                <a16:creationId xmlns:a16="http://schemas.microsoft.com/office/drawing/2014/main" id="{394A268C-5455-5620-C433-3CCEA88828C4}"/>
-              </a:ext>
-            </a:extLst>
-          </p:cNvPr>
-          <p:cNvSpPr>
-            <a:spLocks noGrp="1"/>
-          </p:cNvSpPr>
-          <p:nvPr>
-            <p:ph type="ctrTitle"/>
-          </p:nvPr>
-        </p:nvSpPr>
-        <p:spPr/>
-        <p:txBody>
-          <a:bodyPr/>
-          <a:lstStyle/>
-          <a:p>
-            <a:r>
-              <a:rPr lang="vi-VN"/>
-              <a:t>Ypp 4</a:t>
-            </a:r>
-            <a:endParaRPr lang="en-GB"/>
-          </a:p>
-        </p:txBody>
-      </p:sp>
-    </p:spTree>
-    <p:extLst>
-      <p:ext uri="{BB962C8B-B14F-4D97-AF65-F5344CB8AC3E}">
-        <p14:creationId xmlns:p14="http://schemas.microsoft.com/office/powerpoint/2010/main" val="3325570925"/>
-      </p:ext>
-    </p:extLst>
-  </p:cSld>
-  <p:clrMapOvr>
-    <a:masterClrMapping/>
-  </p:clrMapOvr>
-</p:sld>
-</file>
-
-<file path=ppt/slides/slide20.xml><?xml version="1.0" encoding="utf-8"?>
+<file path=ppt/slides/slide21.xml><?xml version="1.0" encoding="utf-8"?>
 <p:sld xmlns:a="http://schemas.openxmlformats.org/drawingml/2006/main" xmlns:r="http://schemas.openxmlformats.org/officeDocument/2006/relationships" xmlns:p="http://schemas.openxmlformats.org/presentationml/2006/main">
   <p:cSld>
     <p:spTree>
@@ -18630,7 +19482,7 @@
 </p:sld>
 </file>
 
-<file path=ppt/slides/slide21.xml><?xml version="1.0" encoding="utf-8"?>
+<file path=ppt/slides/slide22.xml><?xml version="1.0" encoding="utf-8"?>
 <p:sld xmlns:a="http://schemas.openxmlformats.org/drawingml/2006/main" xmlns:r="http://schemas.openxmlformats.org/officeDocument/2006/relationships" xmlns:p="http://schemas.openxmlformats.org/presentationml/2006/main">
   <p:cSld>
     <p:spTree>
@@ -18685,15 +19537,6 @@
           <a:solidFill>
             <a:srgbClr val="FFFFFF"/>
           </a:solidFill>
-          <a:extLst>
-            <a:ext uri="{909E8E84-426E-40DD-AFC4-6F175D3DCCD1}">
-              <a14:hiddenFill xmlns:a14="http://schemas.microsoft.com/office/drawing/2010/main">
-                <a:solidFill>
-                  <a:srgbClr val="FFFFFF"/>
-                </a:solidFill>
-              </a14:hiddenFill>
-            </a:ext>
-          </a:extLst>
         </p:spPr>
       </p:pic>
       <p:sp>
@@ -18957,7 +19800,7 @@
 </p:sld>
 </file>
 
-<file path=ppt/slides/slide22.xml><?xml version="1.0" encoding="utf-8"?>
+<file path=ppt/slides/slide23.xml><?xml version="1.0" encoding="utf-8"?>
 <p:sld xmlns:a="http://schemas.openxmlformats.org/drawingml/2006/main" xmlns:r="http://schemas.openxmlformats.org/officeDocument/2006/relationships" xmlns:p="http://schemas.openxmlformats.org/presentationml/2006/main">
   <p:cSld>
     <p:spTree>
@@ -19012,15 +19855,6 @@
           <a:solidFill>
             <a:srgbClr val="FFFFFF"/>
           </a:solidFill>
-          <a:extLst>
-            <a:ext uri="{909E8E84-426E-40DD-AFC4-6F175D3DCCD1}">
-              <a14:hiddenFill xmlns:a14="http://schemas.microsoft.com/office/drawing/2010/main">
-                <a:solidFill>
-                  <a:srgbClr val="FFFFFF"/>
-                </a:solidFill>
-              </a14:hiddenFill>
-            </a:ext>
-          </a:extLst>
         </p:spPr>
       </p:pic>
       <p:sp>
@@ -19253,190 +20087,6 @@
           </a:p>
         </p:txBody>
       </p:sp>
-      <p:sp>
-        <p:nvSpPr>
-          <p:cNvPr id="10" name="Text Placeholder 9">
-            <a:extLst>
-              <a:ext uri="{FF2B5EF4-FFF2-40B4-BE49-F238E27FC236}">
-                <a16:creationId xmlns:a16="http://schemas.microsoft.com/office/drawing/2014/main" id="{FC76990F-B249-6611-0800-1DA433F97A5D}"/>
-              </a:ext>
-            </a:extLst>
-          </p:cNvPr>
-          <p:cNvSpPr>
-            <a:spLocks noGrp="1"/>
-          </p:cNvSpPr>
-          <p:nvPr>
-            <p:ph type="body" sz="quarter" idx="17"/>
-          </p:nvPr>
-        </p:nvSpPr>
-        <p:spPr/>
-        <p:txBody>
-          <a:bodyPr/>
-          <a:lstStyle/>
-          <a:p>
-            <a:endParaRPr lang="de-CH"/>
-          </a:p>
-        </p:txBody>
-      </p:sp>
-      <p:grpSp>
-        <p:nvGrpSpPr>
-          <p:cNvPr id="13" name="Group 12">
-            <a:extLst>
-              <a:ext uri="{FF2B5EF4-FFF2-40B4-BE49-F238E27FC236}">
-                <a16:creationId xmlns:a16="http://schemas.microsoft.com/office/drawing/2014/main" id="{DEC3FBF0-6FE4-4ED5-97F7-BC43A1D2912A}"/>
-              </a:ext>
-            </a:extLst>
-          </p:cNvPr>
-          <p:cNvGrpSpPr/>
-          <p:nvPr/>
-        </p:nvGrpSpPr>
-        <p:grpSpPr>
-          <a:xfrm>
-            <a:off x="9595831" y="2346866"/>
-            <a:ext cx="1736339" cy="526268"/>
-            <a:chOff x="8343600" y="2412129"/>
-            <a:chExt cx="2315118" cy="701691"/>
-          </a:xfrm>
-        </p:grpSpPr>
-        <p:pic>
-          <p:nvPicPr>
-            <p:cNvPr id="14" name="Graphic 13">
-              <a:extLst>
-                <a:ext uri="{FF2B5EF4-FFF2-40B4-BE49-F238E27FC236}">
-                  <a16:creationId xmlns:a16="http://schemas.microsoft.com/office/drawing/2014/main" id="{50A1A25B-D699-C973-F9E8-41E61746C36E}"/>
-                </a:ext>
-              </a:extLst>
-            </p:cNvPr>
-            <p:cNvPicPr>
-              <a:picLocks noChangeAspect="1"/>
-            </p:cNvPicPr>
-            <p:nvPr/>
-          </p:nvPicPr>
-          <p:blipFill>
-            <a:blip r:embed="rId7" cstate="screen">
-              <a:extLst>
-                <a:ext uri="{28A0092B-C50C-407E-A947-70E740481C1C}">
-                  <a14:useLocalDpi xmlns:a14="http://schemas.microsoft.com/office/drawing/2010/main"/>
-                </a:ext>
-                <a:ext uri="{96DAC541-7B7A-43D3-8B79-37D633B846F1}">
-                  <asvg:svgBlip xmlns:asvg="http://schemas.microsoft.com/office/drawing/2016/SVG/main" r:embed="rId8"/>
-                </a:ext>
-              </a:extLst>
-            </a:blip>
-            <a:stretch>
-              <a:fillRect/>
-            </a:stretch>
-          </p:blipFill>
-          <p:spPr>
-            <a:xfrm>
-              <a:off x="8343600" y="2412129"/>
-              <a:ext cx="1954171" cy="360000"/>
-            </a:xfrm>
-            <a:prstGeom prst="rect">
-              <a:avLst/>
-            </a:prstGeom>
-          </p:spPr>
-        </p:pic>
-        <p:grpSp>
-          <p:nvGrpSpPr>
-            <p:cNvPr id="15" name="Group 14">
-              <a:extLst>
-                <a:ext uri="{FF2B5EF4-FFF2-40B4-BE49-F238E27FC236}">
-                  <a16:creationId xmlns:a16="http://schemas.microsoft.com/office/drawing/2014/main" id="{E80F7C00-B899-BC79-5218-8DD951C055F2}"/>
-                </a:ext>
-              </a:extLst>
-            </p:cNvPr>
-            <p:cNvGrpSpPr/>
-            <p:nvPr/>
-          </p:nvGrpSpPr>
-          <p:grpSpPr>
-            <a:xfrm>
-              <a:off x="8343600" y="2915820"/>
-              <a:ext cx="2315118" cy="198000"/>
-              <a:chOff x="8343600" y="2903749"/>
-              <a:chExt cx="2315118" cy="198000"/>
-            </a:xfrm>
-          </p:grpSpPr>
-          <p:pic>
-            <p:nvPicPr>
-              <p:cNvPr id="16" name="Graphic 15">
-                <a:extLst>
-                  <a:ext uri="{FF2B5EF4-FFF2-40B4-BE49-F238E27FC236}">
-                    <a16:creationId xmlns:a16="http://schemas.microsoft.com/office/drawing/2014/main" id="{88E55AF8-2654-F41B-C4A1-D490B9B589E7}"/>
-                  </a:ext>
-                </a:extLst>
-              </p:cNvPr>
-              <p:cNvPicPr>
-                <a:picLocks noChangeAspect="1"/>
-              </p:cNvPicPr>
-              <p:nvPr/>
-            </p:nvPicPr>
-            <p:blipFill>
-              <a:blip r:embed="rId9" cstate="screen">
-                <a:extLst>
-                  <a:ext uri="{28A0092B-C50C-407E-A947-70E740481C1C}">
-                    <a14:useLocalDpi xmlns:a14="http://schemas.microsoft.com/office/drawing/2010/main"/>
-                  </a:ext>
-                  <a:ext uri="{96DAC541-7B7A-43D3-8B79-37D633B846F1}">
-                    <asvg:svgBlip xmlns:asvg="http://schemas.microsoft.com/office/drawing/2016/SVG/main" r:embed="rId10"/>
-                  </a:ext>
-                </a:extLst>
-              </a:blip>
-              <a:stretch>
-                <a:fillRect/>
-              </a:stretch>
-            </p:blipFill>
-            <p:spPr>
-              <a:xfrm>
-                <a:off x="9124668" y="2914533"/>
-                <a:ext cx="1534050" cy="180000"/>
-              </a:xfrm>
-              <a:prstGeom prst="rect">
-                <a:avLst/>
-              </a:prstGeom>
-            </p:spPr>
-          </p:pic>
-          <p:pic>
-            <p:nvPicPr>
-              <p:cNvPr id="17" name="Graphic 16">
-                <a:extLst>
-                  <a:ext uri="{FF2B5EF4-FFF2-40B4-BE49-F238E27FC236}">
-                    <a16:creationId xmlns:a16="http://schemas.microsoft.com/office/drawing/2014/main" id="{57BBDFB2-E80D-449C-2D7B-F4BAB3531D44}"/>
-                  </a:ext>
-                </a:extLst>
-              </p:cNvPr>
-              <p:cNvPicPr>
-                <a:picLocks noChangeAspect="1"/>
-              </p:cNvPicPr>
-              <p:nvPr/>
-            </p:nvPicPr>
-            <p:blipFill>
-              <a:blip r:embed="rId11" cstate="screen">
-                <a:extLst>
-                  <a:ext uri="{28A0092B-C50C-407E-A947-70E740481C1C}">
-                    <a14:useLocalDpi xmlns:a14="http://schemas.microsoft.com/office/drawing/2010/main"/>
-                  </a:ext>
-                  <a:ext uri="{96DAC541-7B7A-43D3-8B79-37D633B846F1}">
-                    <asvg:svgBlip xmlns:asvg="http://schemas.microsoft.com/office/drawing/2016/SVG/main" r:embed="rId12"/>
-                  </a:ext>
-                </a:extLst>
-              </a:blip>
-              <a:stretch>
-                <a:fillRect/>
-              </a:stretch>
-            </p:blipFill>
-            <p:spPr>
-              <a:xfrm>
-                <a:off x="8343600" y="2903749"/>
-                <a:ext cx="565068" cy="198000"/>
-              </a:xfrm>
-              <a:prstGeom prst="rect">
-                <a:avLst/>
-              </a:prstGeom>
-            </p:spPr>
-          </p:pic>
-        </p:grpSp>
-      </p:grpSp>
     </p:spTree>
     <p:extLst>
       <p:ext uri="{BB962C8B-B14F-4D97-AF65-F5344CB8AC3E}">
@@ -20063,7 +20713,7 @@
           <p:nvPr/>
         </p:nvPicPr>
         <p:blipFill>
-          <a:blip r:embed="rId2">
+          <a:blip r:embed="rId3">
             <a:extLst>
               <a:ext uri="{28A0092B-C50C-407E-A947-70E740481C1C}">
                 <a14:useLocalDpi xmlns:a14="http://schemas.microsoft.com/office/drawing/2010/main" val="0"/>
@@ -21372,7 +22022,7 @@
           <p:nvPr/>
         </p:nvPicPr>
         <p:blipFill>
-          <a:blip r:embed="rId2"/>
+          <a:blip r:embed="rId3"/>
           <a:stretch>
             <a:fillRect/>
           </a:stretch>
